--- a/Nashville City Cemetery Final.pptx
+++ b/Nashville City Cemetery Final.pptx
@@ -3081,7 +3081,7 @@
             </a:pPr>
             <a:r>
               <a:rPr lang="en-US" dirty="0"/>
-              <a:t>So today I am presenting my data on something that I found interesting about the Nashville City Cemetery project</a:t>
+              <a:t>Today I am presenting my data on something that I found interesting about the Nashville City Cemetery project</a:t>
             </a:r>
           </a:p>
           <a:p>
@@ -3203,6 +3203,21 @@
               <a:t>This slide just shows an overview of what will be discussed in today’s presentation</a:t>
             </a:r>
           </a:p>
+          <a:p>
+            <a:pPr marL="0" lvl="0" indent="0" algn="l" rtl="0">
+              <a:spcBef>
+                <a:spcPts val="0"/>
+              </a:spcBef>
+              <a:spcAft>
+                <a:spcPts val="0"/>
+              </a:spcAft>
+              <a:buNone/>
+            </a:pPr>
+            <a:r>
+              <a:rPr lang="en-US" dirty="0"/>
+              <a:t>I will start with an introduction of what information I thought was interesting and then go deeper into </a:t>
+            </a:r>
+          </a:p>
         </p:txBody>
       </p:sp>
     </p:spTree>
@@ -3306,10 +3321,10 @@
               <a:buNone/>
             </a:pPr>
             <a:r>
-              <a:rPr lang="en"/>
+              <a:rPr lang="en" dirty="0"/>
               <a:t>When completing the project I noticed a spike of deaths in Nashville between 1865-1866, which led me to research the cause.</a:t>
             </a:r>
-            <a:endParaRPr/>
+            <a:endParaRPr dirty="0"/>
           </a:p>
           <a:p>
             <a:pPr marL="0" lvl="0" indent="0" algn="l" rtl="0">
@@ -3322,10 +3337,10 @@
               <a:buNone/>
             </a:pPr>
             <a:r>
-              <a:rPr lang="en"/>
-              <a:t>What I found that this spike was due to the impact of the civil war, the increase in diseases such a cholera, smallpox, and typhoid fever. </a:t>
+              <a:rPr lang="en" dirty="0"/>
+              <a:t>What I found was that this spike was due to the impact of the civil war, and the increase in diseases such a cholera and smallpox.</a:t>
             </a:r>
-            <a:endParaRPr/>
+            <a:endParaRPr dirty="0"/>
           </a:p>
           <a:p>
             <a:pPr marL="0" lvl="0" indent="0" algn="l" rtl="0">
@@ -3338,10 +3353,10 @@
               <a:buNone/>
             </a:pPr>
             <a:r>
-              <a:rPr lang="en"/>
+              <a:rPr lang="en" dirty="0"/>
               <a:t>There was also poor sanitation and economic hardships that further led to this spike. </a:t>
             </a:r>
-            <a:endParaRPr/>
+            <a:endParaRPr dirty="0"/>
           </a:p>
         </p:txBody>
       </p:sp>
@@ -3455,7 +3470,15 @@
             </a:r>
             <a:r>
               <a:rPr lang="en-US" dirty="0"/>
-              <a:t> and 16th under the leadership of Lieut. General John B. Hood.</a:t>
+              <a:t> and 16</a:t>
+            </a:r>
+            <a:r>
+              <a:rPr lang="en-US" baseline="30000" dirty="0"/>
+              <a:t>th</a:t>
+            </a:r>
+            <a:r>
+              <a:rPr lang="en-US" dirty="0"/>
+              <a:t> 1864 under the leadership of Lieut. General John B. Hood.</a:t>
             </a:r>
           </a:p>
           <a:p>
@@ -3470,7 +3493,7 @@
             </a:pPr>
             <a:r>
               <a:rPr lang="en-US" dirty="0"/>
-              <a:t>With the following of 30,000 soldiers, the goal was to take back Nashville from the occupying Federal Army</a:t>
+              <a:t>With a following of 30,000 soldiers, the goal was to take back Nashville from the occupying Federal Army</a:t>
             </a:r>
           </a:p>
           <a:p>
@@ -3500,7 +3523,7 @@
             </a:pPr>
             <a:r>
               <a:rPr lang="en-US" dirty="0"/>
-              <a:t>As a result of wounded and dying men on both sides of the battle, hospitals were overwhelmed by the influx of individuals. The overcrowded hospitals were reported to have blood-soaked floors, and the ill and injured had to sometimes wait outside in the cold until a room became available. </a:t>
+              <a:t>As a result of wounded and dying men on both sides of the battle, hospitals were overwhelmed by the influx of individuals. The overcrowded hospitals were reported to have blood-soaked floors, and the ill and injured had to sometimes wait outside in the cold until a room became available leading to even more deaths. </a:t>
             </a:r>
           </a:p>
           <a:p>
@@ -3515,7 +3538,7 @@
             </a:pPr>
             <a:r>
               <a:rPr lang="en-US" dirty="0"/>
-              <a:t>The right image shows hospital number 19, which was overcrowded. As you can see, several men were waiting outside to be seen.</a:t>
+              <a:t>The image on the right shows hospital number 19, which was overcrowded. As you can see, several men were waiting outside to be seen.</a:t>
             </a:r>
           </a:p>
           <a:p>
@@ -3780,7 +3803,7 @@
             </a:pPr>
             <a:r>
               <a:rPr lang="en-US" dirty="0"/>
-              <a:t>Another contributor to the death spike during this time period was the economic hardships, especially the number of freed African Americans.</a:t>
+              <a:t>Another contributor to the death spike during this time period was the economic hardships, especially for the freed African Americans.</a:t>
             </a:r>
           </a:p>
           <a:p>
@@ -3810,7 +3833,7 @@
             </a:pPr>
             <a:r>
               <a:rPr lang="en-US" dirty="0"/>
-              <a:t>In terms of economic hardships, the South was impacted by the war. This led to many individuals not being able to afford proper healthcare, lack of access to nutritious food, and unsanitary living conditions. </a:t>
+              <a:t>In terms of economic hardships, the South was impacted by the war. This led to many individuals not being able to afford proper healthcare. There was also lack of access to nutritious food, and unsanitary living conditions. </a:t>
             </a:r>
           </a:p>
           <a:p>
@@ -3825,7 +3848,7 @@
             </a:pPr>
             <a:r>
               <a:rPr lang="en-US" dirty="0"/>
-              <a:t>There were also many public health failures that led to a death spike during this time, such as the inconsistent availability of vaccinations for things such as smallpox and limited medical knowledge, making it difficult to treat smallpox or cholera, leading to even more deaths. </a:t>
+              <a:t>There were also many public health failures that led to a death spike during this time, such as the inconsistent availability of vaccinations for things such as smallpox as well as  limited medical knowledge. All of these things made it difficult to treat smallpox or cholera, leading to even more deaths. </a:t>
             </a:r>
           </a:p>
           <a:p>
@@ -12131,7 +12154,7 @@
 </file>
 
 <file path=ppt/slides/slide2.xml><?xml version="1.0" encoding="utf-8"?>
-<p:sld xmlns:a="http://schemas.openxmlformats.org/drawingml/2006/main" xmlns:r="http://schemas.openxmlformats.org/officeDocument/2006/relationships" xmlns:p="http://schemas.openxmlformats.org/presentationml/2006/main">
+<p:sld xmlns:a="http://schemas.openxmlformats.org/drawingml/2006/main" xmlns:r="http://schemas.openxmlformats.org/officeDocument/2006/relationships" xmlns:p="http://schemas.openxmlformats.org/presentationml/2006/main" show="0">
   <p:cSld>
     <p:spTree>
       <p:nvGrpSpPr>
@@ -12495,7 +12518,7 @@
         </p:spPr>
         <p:txBody>
           <a:bodyPr>
-            <a:normAutofit fontScale="92500" lnSpcReduction="20000"/>
+            <a:normAutofit fontScale="92500" lnSpcReduction="10000"/>
           </a:bodyPr>
           <a:lstStyle/>
           <a:p>
@@ -12621,31 +12644,6 @@
                 <a:sym typeface="Calibri"/>
               </a:rPr>
               <a:t>Smallpox</a:t>
-            </a:r>
-          </a:p>
-          <a:p>
-            <a:pPr marL="914400" lvl="1" indent="-304800" algn="l" rtl="0">
-              <a:spcBef>
-                <a:spcPts val="0"/>
-              </a:spcBef>
-              <a:spcAft>
-                <a:spcPts val="0"/>
-              </a:spcAft>
-              <a:buClr>
-                <a:schemeClr val="lt1"/>
-              </a:buClr>
-              <a:buSzPts val="1200"/>
-              <a:buFont typeface="Courier New" panose="02070309020205020404" pitchFamily="49" charset="0"/>
-              <a:buChar char="o"/>
-            </a:pPr>
-            <a:r>
-              <a:rPr lang="en-US" sz="1700" dirty="0">
-                <a:latin typeface="Calibri"/>
-                <a:ea typeface="Calibri"/>
-                <a:cs typeface="Calibri"/>
-                <a:sym typeface="Calibri"/>
-              </a:rPr>
-              <a:t>Typhoid Fever</a:t>
             </a:r>
           </a:p>
           <a:p>
